--- a/Covid-19 Project One .pptx
+++ b/Covid-19 Project One .pptx
@@ -6,22 +6,20 @@
   </p:sldMasterIdLst>
   <p:sldIdLst>
     <p:sldId id="257" r:id="rId2"/>
-    <p:sldId id="258" r:id="rId3"/>
-    <p:sldId id="266" r:id="rId4"/>
-    <p:sldId id="259" r:id="rId5"/>
-    <p:sldId id="268" r:id="rId6"/>
-    <p:sldId id="270" r:id="rId7"/>
-    <p:sldId id="271" r:id="rId8"/>
-    <p:sldId id="260" r:id="rId9"/>
-    <p:sldId id="275" r:id="rId10"/>
-    <p:sldId id="269" r:id="rId11"/>
-    <p:sldId id="272" r:id="rId12"/>
-    <p:sldId id="273" r:id="rId13"/>
-    <p:sldId id="274" r:id="rId14"/>
-    <p:sldId id="276" r:id="rId15"/>
-    <p:sldId id="277" r:id="rId16"/>
-    <p:sldId id="264" r:id="rId17"/>
-    <p:sldId id="278" r:id="rId18"/>
+    <p:sldId id="279" r:id="rId3"/>
+    <p:sldId id="258" r:id="rId4"/>
+    <p:sldId id="270" r:id="rId5"/>
+    <p:sldId id="271" r:id="rId6"/>
+    <p:sldId id="260" r:id="rId7"/>
+    <p:sldId id="275" r:id="rId8"/>
+    <p:sldId id="269" r:id="rId9"/>
+    <p:sldId id="272" r:id="rId10"/>
+    <p:sldId id="273" r:id="rId11"/>
+    <p:sldId id="274" r:id="rId12"/>
+    <p:sldId id="276" r:id="rId13"/>
+    <p:sldId id="277" r:id="rId14"/>
+    <p:sldId id="264" r:id="rId15"/>
+    <p:sldId id="278" r:id="rId16"/>
   </p:sldIdLst>
   <p:sldSz cx="12192000" cy="6858000"/>
   <p:notesSz cx="6858000" cy="9144000"/>
@@ -372,7 +370,7 @@
           <a:p>
             <a:fld id="{9184DA70-C731-4C70-880D-CCD4705E623C}" type="datetime1">
               <a:rPr lang="en-US" smtClean="0"/>
-              <a:t>2/1/2021</a:t>
+              <a:t>2/2/2021</a:t>
             </a:fld>
             <a:endParaRPr lang="en-US" dirty="0"/>
           </a:p>
@@ -560,7 +558,7 @@
           <a:p>
             <a:fld id="{B612A279-0833-481D-8C56-F67FD0AC6C50}" type="datetime1">
               <a:rPr lang="en-US" smtClean="0"/>
-              <a:t>2/1/2021</a:t>
+              <a:t>2/2/2021</a:t>
             </a:fld>
             <a:endParaRPr lang="en-US" dirty="0"/>
           </a:p>
@@ -802,7 +800,7 @@
           <a:p>
             <a:fld id="{6587DA83-5663-4C9C-B9AA-0B40A3DAFF81}" type="datetime1">
               <a:rPr lang="en-US" smtClean="0"/>
-              <a:t>2/1/2021</a:t>
+              <a:t>2/2/2021</a:t>
             </a:fld>
             <a:endParaRPr lang="en-US" dirty="0"/>
           </a:p>
@@ -990,7 +988,7 @@
           <a:p>
             <a:fld id="{4BE1D723-8F53-4F53-90B0-1982A396982E}" type="datetime1">
               <a:rPr lang="en-US" smtClean="0"/>
-              <a:t>2/1/2021</a:t>
+              <a:t>2/2/2021</a:t>
             </a:fld>
             <a:endParaRPr lang="en-US" dirty="0"/>
           </a:p>
@@ -1363,7 +1361,7 @@
           <a:p>
             <a:fld id="{97669AF7-7BEB-44E4-9852-375E34362B5B}" type="datetime1">
               <a:rPr lang="en-US" smtClean="0"/>
-              <a:t>2/1/2021</a:t>
+              <a:t>2/2/2021</a:t>
             </a:fld>
             <a:endParaRPr lang="en-US" dirty="0"/>
           </a:p>
@@ -1618,7 +1616,7 @@
           <a:p>
             <a:fld id="{BAAAC38D-0552-4C82-B593-E6124DFADBE2}" type="datetime1">
               <a:rPr lang="en-US" smtClean="0"/>
-              <a:t>2/1/2021</a:t>
+              <a:t>2/2/2021</a:t>
             </a:fld>
             <a:endParaRPr lang="en-US" dirty="0"/>
           </a:p>
@@ -2015,7 +2013,7 @@
           <a:p>
             <a:fld id="{D9DF0F1C-5577-4ACB-BB62-DF8F3C494C7E}" type="datetime1">
               <a:rPr lang="en-US" smtClean="0"/>
-              <a:t>2/1/2021</a:t>
+              <a:t>2/2/2021</a:t>
             </a:fld>
             <a:endParaRPr lang="en-US" dirty="0"/>
           </a:p>
@@ -2151,7 +2149,7 @@
           <a:p>
             <a:fld id="{1775B394-D9F9-4F0C-B15D-605F45CB9E9F}" type="datetime1">
               <a:rPr lang="en-US" smtClean="0"/>
-              <a:t>2/1/2021</a:t>
+              <a:t>2/2/2021</a:t>
             </a:fld>
             <a:endParaRPr lang="en-US" dirty="0"/>
           </a:p>
@@ -2308,7 +2306,7 @@
           <a:p>
             <a:fld id="{39667345-2558-425A-8533-9BFDBCE15005}" type="datetime1">
               <a:rPr lang="en-US" smtClean="0"/>
-              <a:t>2/1/2021</a:t>
+              <a:t>2/2/2021</a:t>
             </a:fld>
             <a:endParaRPr lang="en-US" dirty="0"/>
           </a:p>
@@ -2637,7 +2635,7 @@
           <a:p>
             <a:fld id="{92BEA474-078D-4E9B-9B14-09A87B19DC46}" type="datetime1">
               <a:rPr lang="en-US" smtClean="0"/>
-              <a:t>2/1/2021</a:t>
+              <a:t>2/2/2021</a:t>
             </a:fld>
             <a:endParaRPr lang="en-US" dirty="0"/>
           </a:p>
@@ -2986,7 +2984,7 @@
           <a:p>
             <a:fld id="{4907D986-8816-4272-A432-0437A28A9828}" type="datetime1">
               <a:rPr lang="en-US" smtClean="0"/>
-              <a:t>2/1/2021</a:t>
+              <a:t>2/2/2021</a:t>
             </a:fld>
             <a:endParaRPr lang="en-US" dirty="0"/>
           </a:p>
@@ -3247,7 +3245,7 @@
           <a:p>
             <a:fld id="{62D6E202-B606-4609-B914-27C9371A1F6D}" type="datetime1">
               <a:rPr lang="en-US" smtClean="0"/>
-              <a:t>2/1/2021</a:t>
+              <a:t>2/2/2021</a:t>
             </a:fld>
             <a:endParaRPr lang="en-US" dirty="0"/>
           </a:p>
@@ -4272,7 +4270,7 @@
           <p:cNvPr id="2" name="Title 1">
             <a:extLst>
               <a:ext uri="{FF2B5EF4-FFF2-40B4-BE49-F238E27FC236}">
-                <a16:creationId xmlns:a16="http://schemas.microsoft.com/office/drawing/2014/main" id="{C32F3F7C-E55D-4163-AAC0-ADD308821544}"/>
+                <a16:creationId xmlns:a16="http://schemas.microsoft.com/office/drawing/2014/main" id="{C55489B1-1A9F-404E-BFB8-0E4BB7CC1194}"/>
               </a:ext>
             </a:extLst>
           </p:cNvPr>
@@ -4283,12 +4281,7 @@
             <p:ph type="title"/>
           </p:nvPr>
         </p:nvSpPr>
-        <p:spPr>
-          <a:xfrm>
-            <a:off x="643466" y="270165"/>
-            <a:ext cx="3517567" cy="2610194"/>
-          </a:xfrm>
-        </p:spPr>
+        <p:spPr/>
         <p:txBody>
           <a:bodyPr/>
           <a:lstStyle/>
@@ -4296,69 +4289,85 @@
             <a:pPr algn="ctr"/>
             <a:r>
               <a:rPr lang="en-US" dirty="0"/>
-              <a:t>Airport Passenger vs Population </a:t>
-            </a:r>
-            <a:br>
-              <a:rPr lang="en-US" dirty="0"/>
-            </a:br>
-            <a:endParaRPr lang="en-US" dirty="0"/>
-          </a:p>
-        </p:txBody>
-      </p:sp>
-      <p:sp>
-        <p:nvSpPr>
-          <p:cNvPr id="3" name="Content Placeholder 2">
-            <a:extLst>
-              <a:ext uri="{FF2B5EF4-FFF2-40B4-BE49-F238E27FC236}">
-                <a16:creationId xmlns:a16="http://schemas.microsoft.com/office/drawing/2014/main" id="{3BF06CA1-81BA-47C0-9E88-991BFB0A178B}"/>
-              </a:ext>
-            </a:extLst>
-          </p:cNvPr>
-          <p:cNvSpPr>
-            <a:spLocks noGrp="1"/>
-          </p:cNvSpPr>
-          <p:nvPr>
-            <p:ph idx="1"/>
-          </p:nvPr>
-        </p:nvSpPr>
-        <p:spPr/>
-        <p:txBody>
-          <a:bodyPr/>
-          <a:lstStyle/>
-          <a:p>
-            <a:endParaRPr lang="en-US" dirty="0"/>
-          </a:p>
-        </p:txBody>
-      </p:sp>
-      <p:sp>
-        <p:nvSpPr>
-          <p:cNvPr id="4" name="Text Placeholder 3">
-            <a:extLst>
-              <a:ext uri="{FF2B5EF4-FFF2-40B4-BE49-F238E27FC236}">
-                <a16:creationId xmlns:a16="http://schemas.microsoft.com/office/drawing/2014/main" id="{56A3442B-C838-4930-AD98-CA9CDF6ECC4A}"/>
-              </a:ext>
-            </a:extLst>
-          </p:cNvPr>
-          <p:cNvSpPr>
-            <a:spLocks noGrp="1"/>
-          </p:cNvSpPr>
-          <p:nvPr>
-            <p:ph type="body" sz="half" idx="2"/>
-          </p:nvPr>
-        </p:nvSpPr>
-        <p:spPr/>
-        <p:txBody>
-          <a:bodyPr/>
-          <a:lstStyle/>
-          <a:p>
-            <a:endParaRPr lang="en-US" dirty="0"/>
-          </a:p>
-        </p:txBody>
-      </p:sp>
+              <a:t>Top 10 Highest Locations of Confirmed Cases</a:t>
+            </a:r>
+          </a:p>
+        </p:txBody>
+      </p:sp>
+      <p:pic>
+        <p:nvPicPr>
+          <p:cNvPr id="6" name="Content Placeholder 5" descr="Map&#10;&#10;Description automatically generated">
+            <a:extLst>
+              <a:ext uri="{FF2B5EF4-FFF2-40B4-BE49-F238E27FC236}">
+                <a16:creationId xmlns:a16="http://schemas.microsoft.com/office/drawing/2014/main" id="{BE0806DF-2B87-4E4D-8E9F-CE89A94DCACF}"/>
+              </a:ext>
+            </a:extLst>
+          </p:cNvPr>
+          <p:cNvPicPr>
+            <a:picLocks noGrp="1" noChangeAspect="1"/>
+          </p:cNvPicPr>
+          <p:nvPr>
+            <p:ph sz="half" idx="1"/>
+          </p:nvPr>
+        </p:nvPicPr>
+        <p:blipFill>
+          <a:blip r:embed="rId2">
+            <a:extLst>
+              <a:ext uri="{28A0092B-C50C-407E-A947-70E740481C1C}">
+                <a14:useLocalDpi xmlns:a14="http://schemas.microsoft.com/office/drawing/2010/main" val="0"/>
+              </a:ext>
+            </a:extLst>
+          </a:blip>
+          <a:stretch>
+            <a:fillRect/>
+          </a:stretch>
+        </p:blipFill>
+        <p:spPr>
+          <a:xfrm>
+            <a:off x="602673" y="2103936"/>
+            <a:ext cx="6192982" cy="4161060"/>
+          </a:xfrm>
+        </p:spPr>
+      </p:pic>
+      <p:pic>
+        <p:nvPicPr>
+          <p:cNvPr id="8" name="Content Placeholder 7" descr="Table&#10;&#10;Description automatically generated">
+            <a:extLst>
+              <a:ext uri="{FF2B5EF4-FFF2-40B4-BE49-F238E27FC236}">
+                <a16:creationId xmlns:a16="http://schemas.microsoft.com/office/drawing/2014/main" id="{461B3B29-4FC1-4CC8-8B1F-0D8F4079997B}"/>
+              </a:ext>
+            </a:extLst>
+          </p:cNvPr>
+          <p:cNvPicPr>
+            <a:picLocks noGrp="1" noChangeAspect="1"/>
+          </p:cNvPicPr>
+          <p:nvPr>
+            <p:ph sz="half" idx="2"/>
+          </p:nvPr>
+        </p:nvPicPr>
+        <p:blipFill>
+          <a:blip r:embed="rId3">
+            <a:extLst>
+              <a:ext uri="{28A0092B-C50C-407E-A947-70E740481C1C}">
+                <a14:useLocalDpi xmlns:a14="http://schemas.microsoft.com/office/drawing/2010/main" val="0"/>
+              </a:ext>
+            </a:extLst>
+          </a:blip>
+          <a:stretch>
+            <a:fillRect/>
+          </a:stretch>
+        </p:blipFill>
+        <p:spPr>
+          <a:xfrm>
+            <a:off x="7079709" y="2290827"/>
+            <a:ext cx="4589954" cy="3819028"/>
+          </a:xfrm>
+        </p:spPr>
+      </p:pic>
     </p:spTree>
     <p:extLst>
       <p:ext uri="{BB962C8B-B14F-4D97-AF65-F5344CB8AC3E}">
-        <p14:creationId xmlns:p14="http://schemas.microsoft.com/office/powerpoint/2010/main" val="665116270"/>
+        <p14:creationId xmlns:p14="http://schemas.microsoft.com/office/powerpoint/2010/main" val="2349224220"/>
       </p:ext>
     </p:extLst>
   </p:cSld>
@@ -4390,7 +4399,7 @@
           <p:cNvPr id="2" name="TextBox 1">
             <a:extLst>
               <a:ext uri="{FF2B5EF4-FFF2-40B4-BE49-F238E27FC236}">
-                <a16:creationId xmlns:a16="http://schemas.microsoft.com/office/drawing/2014/main" id="{8A5403A5-137B-4489-8AB5-4826F824AC28}"/>
+                <a16:creationId xmlns:a16="http://schemas.microsoft.com/office/drawing/2014/main" id="{38032E9D-5FD5-4332-A3CD-C38277F47C06}"/>
               </a:ext>
             </a:extLst>
           </p:cNvPr>
@@ -4399,8 +4408,8 @@
         </p:nvSpPr>
         <p:spPr>
           <a:xfrm>
-            <a:off x="415636" y="602673"/>
-            <a:ext cx="11346873" cy="3416320"/>
+            <a:off x="685800" y="748145"/>
+            <a:ext cx="11014364" cy="5078313"/>
           </a:xfrm>
           <a:prstGeom prst="rect">
             <a:avLst/>
@@ -4415,8 +4424,26 @@
           <a:p>
             <a:r>
               <a:rPr lang="en-US" dirty="0"/>
-              <a:t>Add outcome info here</a:t>
-            </a:r>
+              <a:t>Outcome of mapping</a:t>
+            </a:r>
+          </a:p>
+          <a:p>
+            <a:endParaRPr lang="en-US" dirty="0"/>
+          </a:p>
+          <a:p>
+            <a:endParaRPr lang="en-US" dirty="0"/>
+          </a:p>
+          <a:p>
+            <a:endParaRPr lang="en-US" dirty="0"/>
+          </a:p>
+          <a:p>
+            <a:endParaRPr lang="en-US" dirty="0"/>
+          </a:p>
+          <a:p>
+            <a:endParaRPr lang="en-US" dirty="0"/>
+          </a:p>
+          <a:p>
+            <a:endParaRPr lang="en-US" dirty="0"/>
           </a:p>
           <a:p>
             <a:endParaRPr lang="en-US" dirty="0"/>
@@ -4456,7 +4483,7 @@
     </p:spTree>
     <p:extLst>
       <p:ext uri="{BB962C8B-B14F-4D97-AF65-F5344CB8AC3E}">
-        <p14:creationId xmlns:p14="http://schemas.microsoft.com/office/powerpoint/2010/main" val="3512801201"/>
+        <p14:creationId xmlns:p14="http://schemas.microsoft.com/office/powerpoint/2010/main" val="3382147037"/>
       </p:ext>
     </p:extLst>
   </p:cSld>
@@ -4485,48 +4512,100 @@
       </p:grpSpPr>
       <p:sp>
         <p:nvSpPr>
-          <p:cNvPr id="2" name="Title 1">
-            <a:extLst>
-              <a:ext uri="{FF2B5EF4-FFF2-40B4-BE49-F238E27FC236}">
-                <a16:creationId xmlns:a16="http://schemas.microsoft.com/office/drawing/2014/main" id="{C55489B1-1A9F-404E-BFB8-0E4BB7CC1194}"/>
-              </a:ext>
-            </a:extLst>
-          </p:cNvPr>
-          <p:cNvSpPr>
-            <a:spLocks noGrp="1"/>
-          </p:cNvSpPr>
-          <p:nvPr>
-            <p:ph type="title"/>
-          </p:nvPr>
-        </p:nvSpPr>
-        <p:spPr/>
-        <p:txBody>
-          <a:bodyPr/>
-          <a:lstStyle/>
-          <a:p>
-            <a:pPr algn="ctr"/>
-            <a:r>
-              <a:rPr lang="en-US" dirty="0"/>
-              <a:t>Top 10 Highest Locations of Confirmed Cases</a:t>
-            </a:r>
+          <p:cNvPr id="2" name="TextBox 1">
+            <a:extLst>
+              <a:ext uri="{FF2B5EF4-FFF2-40B4-BE49-F238E27FC236}">
+                <a16:creationId xmlns:a16="http://schemas.microsoft.com/office/drawing/2014/main" id="{38032E9D-5FD5-4332-A3CD-C38277F47C06}"/>
+              </a:ext>
+            </a:extLst>
+          </p:cNvPr>
+          <p:cNvSpPr txBox="1"/>
+          <p:nvPr/>
+        </p:nvSpPr>
+        <p:spPr>
+          <a:xfrm>
+            <a:off x="685800" y="748145"/>
+            <a:ext cx="11014364" cy="5078313"/>
+          </a:xfrm>
+          <a:prstGeom prst="rect">
+            <a:avLst/>
+          </a:prstGeom>
+          <a:noFill/>
+        </p:spPr>
+        <p:txBody>
+          <a:bodyPr wrap="square" rtlCol="0">
+            <a:spAutoFit/>
+          </a:bodyPr>
+          <a:lstStyle/>
+          <a:p>
+            <a:endParaRPr lang="en-US" dirty="0"/>
+          </a:p>
+          <a:p>
+            <a:endParaRPr lang="en-US" dirty="0"/>
+          </a:p>
+          <a:p>
+            <a:endParaRPr lang="en-US" dirty="0"/>
+          </a:p>
+          <a:p>
+            <a:endParaRPr lang="en-US" dirty="0"/>
+          </a:p>
+          <a:p>
+            <a:endParaRPr lang="en-US" dirty="0"/>
+          </a:p>
+          <a:p>
+            <a:endParaRPr lang="en-US" dirty="0"/>
+          </a:p>
+          <a:p>
+            <a:endParaRPr lang="en-US" dirty="0"/>
+          </a:p>
+          <a:p>
+            <a:endParaRPr lang="en-US" dirty="0"/>
+          </a:p>
+          <a:p>
+            <a:endParaRPr lang="en-US" dirty="0"/>
+          </a:p>
+          <a:p>
+            <a:endParaRPr lang="en-US" dirty="0"/>
+          </a:p>
+          <a:p>
+            <a:endParaRPr lang="en-US" dirty="0"/>
+          </a:p>
+          <a:p>
+            <a:endParaRPr lang="en-US" dirty="0"/>
+          </a:p>
+          <a:p>
+            <a:endParaRPr lang="en-US" dirty="0"/>
+          </a:p>
+          <a:p>
+            <a:endParaRPr lang="en-US" dirty="0"/>
+          </a:p>
+          <a:p>
+            <a:endParaRPr lang="en-US" dirty="0"/>
+          </a:p>
+          <a:p>
+            <a:endParaRPr lang="en-US" dirty="0"/>
+          </a:p>
+          <a:p>
+            <a:endParaRPr lang="en-US" dirty="0"/>
+          </a:p>
+          <a:p>
+            <a:endParaRPr lang="en-US" dirty="0"/>
           </a:p>
         </p:txBody>
       </p:sp>
       <p:pic>
         <p:nvPicPr>
-          <p:cNvPr id="6" name="Content Placeholder 5" descr="Map&#10;&#10;Description automatically generated">
-            <a:extLst>
-              <a:ext uri="{FF2B5EF4-FFF2-40B4-BE49-F238E27FC236}">
-                <a16:creationId xmlns:a16="http://schemas.microsoft.com/office/drawing/2014/main" id="{BE0806DF-2B87-4E4D-8E9F-CE89A94DCACF}"/>
+          <p:cNvPr id="4" name="Picture 3" descr="Chart, line chart&#10;&#10;Description automatically generated">
+            <a:extLst>
+              <a:ext uri="{FF2B5EF4-FFF2-40B4-BE49-F238E27FC236}">
+                <a16:creationId xmlns:a16="http://schemas.microsoft.com/office/drawing/2014/main" id="{78437D2E-E59D-48F7-8798-0BF3A7EDF427}"/>
               </a:ext>
             </a:extLst>
           </p:cNvPr>
           <p:cNvPicPr>
-            <a:picLocks noGrp="1" noChangeAspect="1"/>
+            <a:picLocks noChangeAspect="1"/>
           </p:cNvPicPr>
-          <p:nvPr>
-            <p:ph sz="half" idx="1"/>
-          </p:nvPr>
+          <p:nvPr/>
         </p:nvPicPr>
         <p:blipFill>
           <a:blip r:embed="rId2">
@@ -4542,50 +4621,18 @@
         </p:blipFill>
         <p:spPr>
           <a:xfrm>
-            <a:off x="602673" y="2103936"/>
-            <a:ext cx="6192982" cy="4161060"/>
-          </a:xfrm>
-        </p:spPr>
-      </p:pic>
-      <p:pic>
-        <p:nvPicPr>
-          <p:cNvPr id="8" name="Content Placeholder 7" descr="Table&#10;&#10;Description automatically generated">
-            <a:extLst>
-              <a:ext uri="{FF2B5EF4-FFF2-40B4-BE49-F238E27FC236}">
-                <a16:creationId xmlns:a16="http://schemas.microsoft.com/office/drawing/2014/main" id="{461B3B29-4FC1-4CC8-8B1F-0D8F4079997B}"/>
-              </a:ext>
-            </a:extLst>
-          </p:cNvPr>
-          <p:cNvPicPr>
-            <a:picLocks noGrp="1" noChangeAspect="1"/>
-          </p:cNvPicPr>
-          <p:nvPr>
-            <p:ph sz="half" idx="2"/>
-          </p:nvPr>
-        </p:nvPicPr>
-        <p:blipFill>
-          <a:blip r:embed="rId3">
-            <a:extLst>
-              <a:ext uri="{28A0092B-C50C-407E-A947-70E740481C1C}">
-                <a14:useLocalDpi xmlns:a14="http://schemas.microsoft.com/office/drawing/2010/main" val="0"/>
-              </a:ext>
-            </a:extLst>
-          </a:blip>
-          <a:stretch>
-            <a:fillRect/>
-          </a:stretch>
-        </p:blipFill>
-        <p:spPr>
-          <a:xfrm>
-            <a:off x="7079709" y="2290827"/>
-            <a:ext cx="4589954" cy="3819028"/>
-          </a:xfrm>
+            <a:off x="289702" y="509180"/>
+            <a:ext cx="11612596" cy="5839640"/>
+          </a:xfrm>
+          <a:prstGeom prst="rect">
+            <a:avLst/>
+          </a:prstGeom>
         </p:spPr>
       </p:pic>
     </p:spTree>
     <p:extLst>
       <p:ext uri="{BB962C8B-B14F-4D97-AF65-F5344CB8AC3E}">
-        <p14:creationId xmlns:p14="http://schemas.microsoft.com/office/powerpoint/2010/main" val="2349224220"/>
+        <p14:creationId xmlns:p14="http://schemas.microsoft.com/office/powerpoint/2010/main" val="755208948"/>
       </p:ext>
     </p:extLst>
   </p:cSld>
@@ -4701,7 +4748,7 @@
     </p:spTree>
     <p:extLst>
       <p:ext uri="{BB962C8B-B14F-4D97-AF65-F5344CB8AC3E}">
-        <p14:creationId xmlns:p14="http://schemas.microsoft.com/office/powerpoint/2010/main" val="3382147037"/>
+        <p14:creationId xmlns:p14="http://schemas.microsoft.com/office/powerpoint/2010/main" val="2864448241"/>
       </p:ext>
     </p:extLst>
   </p:cSld>
@@ -4728,271 +4775,6 @@
           <a:chExt cx="0" cy="0"/>
         </a:xfrm>
       </p:grpSpPr>
-      <p:sp>
-        <p:nvSpPr>
-          <p:cNvPr id="2" name="TextBox 1">
-            <a:extLst>
-              <a:ext uri="{FF2B5EF4-FFF2-40B4-BE49-F238E27FC236}">
-                <a16:creationId xmlns:a16="http://schemas.microsoft.com/office/drawing/2014/main" id="{38032E9D-5FD5-4332-A3CD-C38277F47C06}"/>
-              </a:ext>
-            </a:extLst>
-          </p:cNvPr>
-          <p:cNvSpPr txBox="1"/>
-          <p:nvPr/>
-        </p:nvSpPr>
-        <p:spPr>
-          <a:xfrm>
-            <a:off x="685800" y="748145"/>
-            <a:ext cx="11014364" cy="5078313"/>
-          </a:xfrm>
-          <a:prstGeom prst="rect">
-            <a:avLst/>
-          </a:prstGeom>
-          <a:noFill/>
-        </p:spPr>
-        <p:txBody>
-          <a:bodyPr wrap="square" rtlCol="0">
-            <a:spAutoFit/>
-          </a:bodyPr>
-          <a:lstStyle/>
-          <a:p>
-            <a:endParaRPr lang="en-US" dirty="0"/>
-          </a:p>
-          <a:p>
-            <a:endParaRPr lang="en-US" dirty="0"/>
-          </a:p>
-          <a:p>
-            <a:endParaRPr lang="en-US" dirty="0"/>
-          </a:p>
-          <a:p>
-            <a:endParaRPr lang="en-US" dirty="0"/>
-          </a:p>
-          <a:p>
-            <a:endParaRPr lang="en-US" dirty="0"/>
-          </a:p>
-          <a:p>
-            <a:endParaRPr lang="en-US" dirty="0"/>
-          </a:p>
-          <a:p>
-            <a:endParaRPr lang="en-US" dirty="0"/>
-          </a:p>
-          <a:p>
-            <a:endParaRPr lang="en-US" dirty="0"/>
-          </a:p>
-          <a:p>
-            <a:endParaRPr lang="en-US" dirty="0"/>
-          </a:p>
-          <a:p>
-            <a:endParaRPr lang="en-US" dirty="0"/>
-          </a:p>
-          <a:p>
-            <a:endParaRPr lang="en-US" dirty="0"/>
-          </a:p>
-          <a:p>
-            <a:endParaRPr lang="en-US" dirty="0"/>
-          </a:p>
-          <a:p>
-            <a:endParaRPr lang="en-US" dirty="0"/>
-          </a:p>
-          <a:p>
-            <a:endParaRPr lang="en-US" dirty="0"/>
-          </a:p>
-          <a:p>
-            <a:endParaRPr lang="en-US" dirty="0"/>
-          </a:p>
-          <a:p>
-            <a:endParaRPr lang="en-US" dirty="0"/>
-          </a:p>
-          <a:p>
-            <a:endParaRPr lang="en-US" dirty="0"/>
-          </a:p>
-          <a:p>
-            <a:endParaRPr lang="en-US" dirty="0"/>
-          </a:p>
-        </p:txBody>
-      </p:sp>
-      <p:pic>
-        <p:nvPicPr>
-          <p:cNvPr id="4" name="Picture 3" descr="Chart, line chart&#10;&#10;Description automatically generated">
-            <a:extLst>
-              <a:ext uri="{FF2B5EF4-FFF2-40B4-BE49-F238E27FC236}">
-                <a16:creationId xmlns:a16="http://schemas.microsoft.com/office/drawing/2014/main" id="{78437D2E-E59D-48F7-8798-0BF3A7EDF427}"/>
-              </a:ext>
-            </a:extLst>
-          </p:cNvPr>
-          <p:cNvPicPr>
-            <a:picLocks noChangeAspect="1"/>
-          </p:cNvPicPr>
-          <p:nvPr/>
-        </p:nvPicPr>
-        <p:blipFill>
-          <a:blip r:embed="rId2">
-            <a:extLst>
-              <a:ext uri="{28A0092B-C50C-407E-A947-70E740481C1C}">
-                <a14:useLocalDpi xmlns:a14="http://schemas.microsoft.com/office/drawing/2010/main" val="0"/>
-              </a:ext>
-            </a:extLst>
-          </a:blip>
-          <a:stretch>
-            <a:fillRect/>
-          </a:stretch>
-        </p:blipFill>
-        <p:spPr>
-          <a:xfrm>
-            <a:off x="289702" y="509180"/>
-            <a:ext cx="11612596" cy="5839640"/>
-          </a:xfrm>
-          <a:prstGeom prst="rect">
-            <a:avLst/>
-          </a:prstGeom>
-        </p:spPr>
-      </p:pic>
-    </p:spTree>
-    <p:extLst>
-      <p:ext uri="{BB962C8B-B14F-4D97-AF65-F5344CB8AC3E}">
-        <p14:creationId xmlns:p14="http://schemas.microsoft.com/office/powerpoint/2010/main" val="755208948"/>
-      </p:ext>
-    </p:extLst>
-  </p:cSld>
-  <p:clrMapOvr>
-    <a:masterClrMapping/>
-  </p:clrMapOvr>
-</p:sld>
-</file>
-
-<file path=ppt/slides/slide15.xml><?xml version="1.0" encoding="utf-8"?>
-<p:sld xmlns:a="http://schemas.openxmlformats.org/drawingml/2006/main" xmlns:r="http://schemas.openxmlformats.org/officeDocument/2006/relationships" xmlns:p="http://schemas.openxmlformats.org/presentationml/2006/main">
-  <p:cSld>
-    <p:spTree>
-      <p:nvGrpSpPr>
-        <p:cNvPr id="1" name=""/>
-        <p:cNvGrpSpPr/>
-        <p:nvPr/>
-      </p:nvGrpSpPr>
-      <p:grpSpPr>
-        <a:xfrm>
-          <a:off x="0" y="0"/>
-          <a:ext cx="0" cy="0"/>
-          <a:chOff x="0" y="0"/>
-          <a:chExt cx="0" cy="0"/>
-        </a:xfrm>
-      </p:grpSpPr>
-      <p:sp>
-        <p:nvSpPr>
-          <p:cNvPr id="2" name="TextBox 1">
-            <a:extLst>
-              <a:ext uri="{FF2B5EF4-FFF2-40B4-BE49-F238E27FC236}">
-                <a16:creationId xmlns:a16="http://schemas.microsoft.com/office/drawing/2014/main" id="{38032E9D-5FD5-4332-A3CD-C38277F47C06}"/>
-              </a:ext>
-            </a:extLst>
-          </p:cNvPr>
-          <p:cNvSpPr txBox="1"/>
-          <p:nvPr/>
-        </p:nvSpPr>
-        <p:spPr>
-          <a:xfrm>
-            <a:off x="685800" y="748145"/>
-            <a:ext cx="11014364" cy="5078313"/>
-          </a:xfrm>
-          <a:prstGeom prst="rect">
-            <a:avLst/>
-          </a:prstGeom>
-          <a:noFill/>
-        </p:spPr>
-        <p:txBody>
-          <a:bodyPr wrap="square" rtlCol="0">
-            <a:spAutoFit/>
-          </a:bodyPr>
-          <a:lstStyle/>
-          <a:p>
-            <a:r>
-              <a:rPr lang="en-US" dirty="0"/>
-              <a:t>Outcome of mapping</a:t>
-            </a:r>
-          </a:p>
-          <a:p>
-            <a:endParaRPr lang="en-US" dirty="0"/>
-          </a:p>
-          <a:p>
-            <a:endParaRPr lang="en-US" dirty="0"/>
-          </a:p>
-          <a:p>
-            <a:endParaRPr lang="en-US" dirty="0"/>
-          </a:p>
-          <a:p>
-            <a:endParaRPr lang="en-US" dirty="0"/>
-          </a:p>
-          <a:p>
-            <a:endParaRPr lang="en-US" dirty="0"/>
-          </a:p>
-          <a:p>
-            <a:endParaRPr lang="en-US" dirty="0"/>
-          </a:p>
-          <a:p>
-            <a:endParaRPr lang="en-US" dirty="0"/>
-          </a:p>
-          <a:p>
-            <a:endParaRPr lang="en-US" dirty="0"/>
-          </a:p>
-          <a:p>
-            <a:endParaRPr lang="en-US" dirty="0"/>
-          </a:p>
-          <a:p>
-            <a:endParaRPr lang="en-US" dirty="0"/>
-          </a:p>
-          <a:p>
-            <a:endParaRPr lang="en-US" dirty="0"/>
-          </a:p>
-          <a:p>
-            <a:endParaRPr lang="en-US" dirty="0"/>
-          </a:p>
-          <a:p>
-            <a:endParaRPr lang="en-US" dirty="0"/>
-          </a:p>
-          <a:p>
-            <a:endParaRPr lang="en-US" dirty="0"/>
-          </a:p>
-          <a:p>
-            <a:endParaRPr lang="en-US" dirty="0"/>
-          </a:p>
-          <a:p>
-            <a:endParaRPr lang="en-US" dirty="0"/>
-          </a:p>
-          <a:p>
-            <a:endParaRPr lang="en-US" dirty="0"/>
-          </a:p>
-        </p:txBody>
-      </p:sp>
-    </p:spTree>
-    <p:extLst>
-      <p:ext uri="{BB962C8B-B14F-4D97-AF65-F5344CB8AC3E}">
-        <p14:creationId xmlns:p14="http://schemas.microsoft.com/office/powerpoint/2010/main" val="2864448241"/>
-      </p:ext>
-    </p:extLst>
-  </p:cSld>
-  <p:clrMapOvr>
-    <a:masterClrMapping/>
-  </p:clrMapOvr>
-</p:sld>
-</file>
-
-<file path=ppt/slides/slide16.xml><?xml version="1.0" encoding="utf-8"?>
-<p:sld xmlns:a="http://schemas.openxmlformats.org/drawingml/2006/main" xmlns:r="http://schemas.openxmlformats.org/officeDocument/2006/relationships" xmlns:p="http://schemas.openxmlformats.org/presentationml/2006/main">
-  <p:cSld>
-    <p:spTree>
-      <p:nvGrpSpPr>
-        <p:cNvPr id="1" name=""/>
-        <p:cNvGrpSpPr/>
-        <p:nvPr/>
-      </p:nvGrpSpPr>
-      <p:grpSpPr>
-        <a:xfrm>
-          <a:off x="0" y="0"/>
-          <a:ext cx="0" cy="0"/>
-          <a:chOff x="0" y="0"/>
-          <a:chExt cx="0" cy="0"/>
-        </a:xfrm>
-      </p:grpSpPr>
       <p:pic>
         <p:nvPicPr>
           <p:cNvPr id="6" name="Picture Placeholder 5" descr="Chart, line chart&#10;&#10;Description automatically generated">
@@ -5092,7 +4874,7 @@
 </p:sld>
 </file>
 
-<file path=ppt/slides/slide17.xml><?xml version="1.0" encoding="utf-8"?>
+<file path=ppt/slides/slide15.xml><?xml version="1.0" encoding="utf-8"?>
 <p:sld xmlns:a="http://schemas.openxmlformats.org/drawingml/2006/main" xmlns:r="http://schemas.openxmlformats.org/officeDocument/2006/relationships" xmlns:p="http://schemas.openxmlformats.org/presentationml/2006/main">
   <p:cSld>
     <p:spTree>
@@ -5325,74 +5107,7 @@
           <a:lstStyle/>
           <a:p>
             <a:pPr lvl="0"/>
-            <a:r>
-              <a:rPr lang="en-US" sz="4000" dirty="0">
-                <a:solidFill>
-                  <a:schemeClr val="bg1"/>
-                </a:solidFill>
-                <a:latin typeface="Times New Roman" panose="02020603050405020304" pitchFamily="18" charset="0"/>
-                <a:cs typeface="Times New Roman" panose="02020603050405020304" pitchFamily="18" charset="0"/>
-              </a:rPr>
-              <a:t>Correlation between </a:t>
-            </a:r>
-            <a:br>
-              <a:rPr lang="en-US" sz="4000" dirty="0">
-                <a:solidFill>
-                  <a:schemeClr val="bg1"/>
-                </a:solidFill>
-                <a:latin typeface="Times New Roman" panose="02020603050405020304" pitchFamily="18" charset="0"/>
-                <a:cs typeface="Times New Roman" panose="02020603050405020304" pitchFamily="18" charset="0"/>
-              </a:rPr>
-            </a:br>
-            <a:r>
-              <a:rPr lang="en-US" sz="4000" dirty="0">
-                <a:solidFill>
-                  <a:schemeClr val="bg1"/>
-                </a:solidFill>
-                <a:latin typeface="Times New Roman" panose="02020603050405020304" pitchFamily="18" charset="0"/>
-                <a:cs typeface="Times New Roman" panose="02020603050405020304" pitchFamily="18" charset="0"/>
-              </a:rPr>
-              <a:t>COVID Cases </a:t>
-            </a:r>
-            <a:br>
-              <a:rPr lang="en-US" sz="4000" dirty="0">
-                <a:solidFill>
-                  <a:schemeClr val="bg1"/>
-                </a:solidFill>
-                <a:latin typeface="Times New Roman" panose="02020603050405020304" pitchFamily="18" charset="0"/>
-                <a:cs typeface="Times New Roman" panose="02020603050405020304" pitchFamily="18" charset="0"/>
-              </a:rPr>
-            </a:br>
-            <a:r>
-              <a:rPr lang="en-US" sz="4000" dirty="0">
-                <a:solidFill>
-                  <a:schemeClr val="bg1"/>
-                </a:solidFill>
-                <a:latin typeface="Times New Roman" panose="02020603050405020304" pitchFamily="18" charset="0"/>
-                <a:cs typeface="Times New Roman" panose="02020603050405020304" pitchFamily="18" charset="0"/>
-              </a:rPr>
-              <a:t>and Distribution of </a:t>
-            </a:r>
-            <a:br>
-              <a:rPr lang="en-US" sz="4000" dirty="0">
-                <a:solidFill>
-                  <a:schemeClr val="bg1"/>
-                </a:solidFill>
-                <a:latin typeface="Times New Roman" panose="02020603050405020304" pitchFamily="18" charset="0"/>
-                <a:cs typeface="Times New Roman" panose="02020603050405020304" pitchFamily="18" charset="0"/>
-              </a:rPr>
-            </a:br>
-            <a:r>
-              <a:rPr lang="en-US" sz="4000" dirty="0">
-                <a:solidFill>
-                  <a:schemeClr val="bg1"/>
-                </a:solidFill>
-                <a:latin typeface="Times New Roman" panose="02020603050405020304" pitchFamily="18" charset="0"/>
-                <a:cs typeface="Times New Roman" panose="02020603050405020304" pitchFamily="18" charset="0"/>
-              </a:rPr>
-              <a:t>Pitzer Vaccine</a:t>
-            </a:r>
-            <a:endParaRPr lang="en-US" sz="4000" i="1" dirty="0">
+            <a:endParaRPr lang="en-US" sz="2800" i="1" dirty="0">
               <a:solidFill>
                 <a:srgbClr val="FFFFFF"/>
               </a:solidFill>
@@ -5483,15 +5198,42 @@
           </a:bodyPr>
           <a:lstStyle/>
           <a:p>
-            <a:r>
-              <a:rPr lang="en-US" dirty="0">
+            <a:pPr marL="171450" indent="-171450">
+              <a:buFont typeface="Arial" panose="020B0604020202020204" pitchFamily="34" charset="0"/>
+              <a:buChar char="•"/>
+            </a:pPr>
+            <a:r>
+              <a:rPr lang="en-US" sz="1200" cap="none" dirty="0">
                 <a:solidFill>
                   <a:srgbClr val="FFFFFF"/>
                 </a:solidFill>
               </a:rPr>
-              <a:t>-Add info for your chart here</a:t>
-            </a:r>
-            <a:endParaRPr lang="en-US" dirty="0">
+              <a:t>There is virtually no correlation between Population Density to dosage allocation with a factor of .17</a:t>
+            </a:r>
+          </a:p>
+          <a:p>
+            <a:pPr marL="171450" indent="-171450">
+              <a:buFont typeface="Arial" panose="020B0604020202020204" pitchFamily="34" charset="0"/>
+              <a:buChar char="•"/>
+            </a:pPr>
+            <a:r>
+              <a:rPr lang="en-US" sz="1200" cap="none" dirty="0">
+                <a:solidFill>
+                  <a:srgbClr val="FFFFFF"/>
+                </a:solidFill>
+              </a:rPr>
+              <a:t>There was very strong correlation between the vaccine distribution as it was related to either Total Confirmed Cased and Total Population. Total population as expected was a near perfect correlation factor of .99</a:t>
+            </a:r>
+          </a:p>
+          <a:p>
+            <a:endParaRPr lang="en-US" sz="1200" cap="none" dirty="0">
+              <a:solidFill>
+                <a:srgbClr val="FFFFFF"/>
+              </a:solidFill>
+            </a:endParaRPr>
+          </a:p>
+          <a:p>
+            <a:endParaRPr lang="en-US" cap="none" dirty="0">
               <a:solidFill>
                 <a:schemeClr val="bg1"/>
               </a:solidFill>
@@ -5501,10 +5243,10 @@
       </p:sp>
       <p:pic>
         <p:nvPicPr>
-          <p:cNvPr id="5" name="Picture 4" descr="Chart, scatter chart&#10;&#10;Description automatically generated">
-            <a:extLst>
-              <a:ext uri="{FF2B5EF4-FFF2-40B4-BE49-F238E27FC236}">
-                <a16:creationId xmlns:a16="http://schemas.microsoft.com/office/drawing/2014/main" id="{EB194397-0B2F-44DE-AF36-F2EFF5555F57}"/>
+          <p:cNvPr id="6" name="Picture 5" descr="Chart, scatter chart&#10;&#10;Description automatically generated">
+            <a:extLst>
+              <a:ext uri="{FF2B5EF4-FFF2-40B4-BE49-F238E27FC236}">
+                <a16:creationId xmlns:a16="http://schemas.microsoft.com/office/drawing/2014/main" id="{04FE6FED-E9C6-401D-9AA7-30F07241DE5A}"/>
               </a:ext>
             </a:extLst>
           </p:cNvPr>
@@ -5527,18 +5269,126 @@
         </p:blipFill>
         <p:spPr>
           <a:xfrm>
-            <a:off x="5125513" y="419948"/>
-            <a:ext cx="6030167" cy="4382112"/>
+            <a:off x="-320" y="1035342"/>
+            <a:ext cx="3917658" cy="3917658"/>
           </a:xfrm>
           <a:prstGeom prst="rect">
             <a:avLst/>
           </a:prstGeom>
         </p:spPr>
       </p:pic>
+      <p:pic>
+        <p:nvPicPr>
+          <p:cNvPr id="5" name="Picture 4" descr="Chart, scatter chart&#10;&#10;Description automatically generated">
+            <a:extLst>
+              <a:ext uri="{FF2B5EF4-FFF2-40B4-BE49-F238E27FC236}">
+                <a16:creationId xmlns:a16="http://schemas.microsoft.com/office/drawing/2014/main" id="{B35510F5-09CF-40CB-90D6-3CC7B73B7565}"/>
+              </a:ext>
+            </a:extLst>
+          </p:cNvPr>
+          <p:cNvPicPr>
+            <a:picLocks noChangeAspect="1"/>
+          </p:cNvPicPr>
+          <p:nvPr/>
+        </p:nvPicPr>
+        <p:blipFill>
+          <a:blip r:embed="rId3">
+            <a:extLst>
+              <a:ext uri="{28A0092B-C50C-407E-A947-70E740481C1C}">
+                <a14:useLocalDpi xmlns:a14="http://schemas.microsoft.com/office/drawing/2010/main" val="0"/>
+              </a:ext>
+            </a:extLst>
+          </a:blip>
+          <a:stretch>
+            <a:fillRect/>
+          </a:stretch>
+        </p:blipFill>
+        <p:spPr>
+          <a:xfrm>
+            <a:off x="4164059" y="1035342"/>
+            <a:ext cx="3917658" cy="3917658"/>
+          </a:xfrm>
+          <a:prstGeom prst="rect">
+            <a:avLst/>
+          </a:prstGeom>
+        </p:spPr>
+      </p:pic>
+      <p:pic>
+        <p:nvPicPr>
+          <p:cNvPr id="8" name="Picture 7" descr="Chart, scatter chart&#10;&#10;Description automatically generated">
+            <a:extLst>
+              <a:ext uri="{FF2B5EF4-FFF2-40B4-BE49-F238E27FC236}">
+                <a16:creationId xmlns:a16="http://schemas.microsoft.com/office/drawing/2014/main" id="{E16E7F22-1CAF-4D91-8ED5-A0C62CCBE2CB}"/>
+              </a:ext>
+            </a:extLst>
+          </p:cNvPr>
+          <p:cNvPicPr>
+            <a:picLocks noChangeAspect="1"/>
+          </p:cNvPicPr>
+          <p:nvPr/>
+        </p:nvPicPr>
+        <p:blipFill>
+          <a:blip r:embed="rId4">
+            <a:extLst>
+              <a:ext uri="{28A0092B-C50C-407E-A947-70E740481C1C}">
+                <a14:useLocalDpi xmlns:a14="http://schemas.microsoft.com/office/drawing/2010/main" val="0"/>
+              </a:ext>
+            </a:extLst>
+          </a:blip>
+          <a:stretch>
+            <a:fillRect/>
+          </a:stretch>
+        </p:blipFill>
+        <p:spPr>
+          <a:xfrm>
+            <a:off x="8261814" y="1035343"/>
+            <a:ext cx="3917658" cy="3917658"/>
+          </a:xfrm>
+          <a:prstGeom prst="rect">
+            <a:avLst/>
+          </a:prstGeom>
+        </p:spPr>
+      </p:pic>
+      <p:sp>
+        <p:nvSpPr>
+          <p:cNvPr id="9" name="TextBox 8">
+            <a:extLst>
+              <a:ext uri="{FF2B5EF4-FFF2-40B4-BE49-F238E27FC236}">
+                <a16:creationId xmlns:a16="http://schemas.microsoft.com/office/drawing/2014/main" id="{179417A5-B3B7-4B0D-9717-5E0200DEF067}"/>
+              </a:ext>
+            </a:extLst>
+          </p:cNvPr>
+          <p:cNvSpPr txBox="1"/>
+          <p:nvPr/>
+        </p:nvSpPr>
+        <p:spPr>
+          <a:xfrm>
+            <a:off x="595618" y="117446"/>
+            <a:ext cx="10293292" cy="369332"/>
+          </a:xfrm>
+          <a:prstGeom prst="rect">
+            <a:avLst/>
+          </a:prstGeom>
+          <a:noFill/>
+        </p:spPr>
+        <p:txBody>
+          <a:bodyPr wrap="square" rtlCol="0">
+            <a:spAutoFit/>
+          </a:bodyPr>
+          <a:lstStyle/>
+          <a:p>
+            <a:pPr algn="ctr"/>
+            <a:r>
+              <a:rPr lang="en-US" dirty="0"/>
+              <a:t>Relationships of Allocated Dosage Distribution to Confirmed Cases, Population Density, and Population</a:t>
+            </a:r>
+          </a:p>
+        </p:txBody>
+      </p:sp>
     </p:spTree>
     <p:extLst>
       <p:ext uri="{BB962C8B-B14F-4D97-AF65-F5344CB8AC3E}">
-        <p14:creationId xmlns:p14="http://schemas.microsoft.com/office/powerpoint/2010/main" val="191714609"/>
+        <p14:creationId xmlns:p14="http://schemas.microsoft.com/office/powerpoint/2010/main" val="563461296"/>
       </p:ext>
     </p:extLst>
   </p:cSld>
@@ -5567,76 +5417,162 @@
       </p:grpSpPr>
       <p:sp>
         <p:nvSpPr>
-          <p:cNvPr id="2" name="TextBox 1">
-            <a:extLst>
-              <a:ext uri="{FF2B5EF4-FFF2-40B4-BE49-F238E27FC236}">
-                <a16:creationId xmlns:a16="http://schemas.microsoft.com/office/drawing/2014/main" id="{2CC9E4B7-7EB4-4F91-8413-F32166B2A232}"/>
-              </a:ext>
-            </a:extLst>
-          </p:cNvPr>
-          <p:cNvSpPr txBox="1"/>
+          <p:cNvPr id="16" name="Title 2">
+            <a:extLst>
+              <a:ext uri="{FF2B5EF4-FFF2-40B4-BE49-F238E27FC236}">
+                <a16:creationId xmlns:a16="http://schemas.microsoft.com/office/drawing/2014/main" id="{20A68301-5DEB-4770-B81F-C35491DA7C2B}"/>
+              </a:ext>
+            </a:extLst>
+          </p:cNvPr>
+          <p:cNvSpPr>
+            <a:spLocks noGrp="1"/>
+          </p:cNvSpPr>
+          <p:nvPr>
+            <p:ph type="title"/>
+          </p:nvPr>
+        </p:nvSpPr>
+        <p:spPr>
+          <a:xfrm>
+            <a:off x="1097279" y="4799362"/>
+            <a:ext cx="10113645" cy="743682"/>
+          </a:xfrm>
+        </p:spPr>
+        <p:txBody>
+          <a:bodyPr/>
+          <a:lstStyle/>
+          <a:p>
+            <a:r>
+              <a:rPr lang="en-US" sz="3200" dirty="0"/>
+              <a:t>Following the Data-Is there a relationship between outbreaks and population or population density</a:t>
+            </a:r>
+          </a:p>
+        </p:txBody>
+      </p:sp>
+      <p:sp>
+        <p:nvSpPr>
+          <p:cNvPr id="3" name="Subtitle 2">
+            <a:extLst>
+              <a:ext uri="{FF2B5EF4-FFF2-40B4-BE49-F238E27FC236}">
+                <a16:creationId xmlns:a16="http://schemas.microsoft.com/office/drawing/2014/main" id="{255E1F2F-E259-4EA8-9FFD-3A10AF541859}"/>
+              </a:ext>
+            </a:extLst>
+          </p:cNvPr>
+          <p:cNvSpPr>
+            <a:spLocks noGrp="1"/>
+          </p:cNvSpPr>
+          <p:nvPr>
+            <p:ph type="body" sz="half" idx="2"/>
+          </p:nvPr>
+        </p:nvSpPr>
+        <p:spPr>
+          <a:xfrm>
+            <a:off x="1097279" y="5715000"/>
+            <a:ext cx="10113264" cy="609600"/>
+          </a:xfrm>
+        </p:spPr>
+        <p:txBody>
+          <a:bodyPr>
+            <a:normAutofit fontScale="92500" lnSpcReduction="10000"/>
+          </a:bodyPr>
+          <a:lstStyle/>
+          <a:p>
+            <a:pPr marL="285750" indent="-285750">
+              <a:buFont typeface="Arial" panose="020B0604020202020204" pitchFamily="34" charset="0"/>
+              <a:buChar char="•"/>
+            </a:pPr>
+            <a:r>
+              <a:rPr lang="en-US" dirty="0"/>
+              <a:t>Confirmed cases vs the population totals realized a near perfect correlation factor of .98</a:t>
+            </a:r>
+          </a:p>
+          <a:p>
+            <a:pPr marL="285750" indent="-285750">
+              <a:buFont typeface="Wingdings" panose="05000000000000000000" pitchFamily="2" charset="2"/>
+              <a:buChar char="§"/>
+            </a:pPr>
+            <a:r>
+              <a:rPr lang="en-US" dirty="0"/>
+              <a:t>Density had almost no impact on the spread of the outbreak</a:t>
+            </a:r>
+          </a:p>
+        </p:txBody>
+      </p:sp>
+      <p:pic>
+        <p:nvPicPr>
+          <p:cNvPr id="19" name="Picture 18" descr="Chart, scatter chart&#10;&#10;Description automatically generated">
+            <a:extLst>
+              <a:ext uri="{FF2B5EF4-FFF2-40B4-BE49-F238E27FC236}">
+                <a16:creationId xmlns:a16="http://schemas.microsoft.com/office/drawing/2014/main" id="{6BE69DB0-3F99-4AC8-BD97-CEA8B7A40F80}"/>
+              </a:ext>
+            </a:extLst>
+          </p:cNvPr>
+          <p:cNvPicPr>
+            <a:picLocks noChangeAspect="1"/>
+          </p:cNvPicPr>
           <p:nvPr/>
-        </p:nvSpPr>
-        <p:spPr>
-          <a:xfrm>
-            <a:off x="638628" y="624113"/>
-            <a:ext cx="10914743" cy="3416320"/>
+        </p:nvPicPr>
+        <p:blipFill>
+          <a:blip r:embed="rId2">
+            <a:extLst>
+              <a:ext uri="{28A0092B-C50C-407E-A947-70E740481C1C}">
+                <a14:useLocalDpi xmlns:a14="http://schemas.microsoft.com/office/drawing/2010/main" val="0"/>
+              </a:ext>
+            </a:extLst>
+          </a:blip>
+          <a:stretch>
+            <a:fillRect/>
+          </a:stretch>
+        </p:blipFill>
+        <p:spPr>
+          <a:xfrm>
+            <a:off x="-92370" y="-9236"/>
+            <a:ext cx="5745018" cy="4581243"/>
           </a:xfrm>
           <a:prstGeom prst="rect">
             <a:avLst/>
           </a:prstGeom>
-          <a:noFill/>
-        </p:spPr>
-        <p:txBody>
-          <a:bodyPr wrap="square" rtlCol="0">
-            <a:spAutoFit/>
-          </a:bodyPr>
-          <a:lstStyle/>
-          <a:p>
-            <a:endParaRPr lang="en-US" dirty="0"/>
-          </a:p>
-          <a:p>
-            <a:r>
-              <a:rPr lang="en-US" sz="3600" dirty="0"/>
-              <a:t>Conclusion of the outcome:</a:t>
-            </a:r>
-          </a:p>
-          <a:p>
-            <a:endParaRPr lang="en-US" dirty="0"/>
-          </a:p>
-          <a:p>
-            <a:endParaRPr lang="en-US" dirty="0"/>
-          </a:p>
-          <a:p>
-            <a:endParaRPr lang="en-US" dirty="0"/>
-          </a:p>
-          <a:p>
-            <a:endParaRPr lang="en-US" dirty="0"/>
-          </a:p>
-          <a:p>
-            <a:endParaRPr lang="en-US" dirty="0"/>
-          </a:p>
-          <a:p>
-            <a:endParaRPr lang="en-US" dirty="0"/>
-          </a:p>
-          <a:p>
-            <a:endParaRPr lang="en-US" dirty="0"/>
-          </a:p>
-          <a:p>
-            <a:endParaRPr lang="en-US" dirty="0"/>
-          </a:p>
-          <a:p>
-            <a:r>
-              <a:rPr lang="en-US" dirty="0"/>
-              <a:t> </a:t>
-            </a:r>
-          </a:p>
-        </p:txBody>
-      </p:sp>
+        </p:spPr>
+      </p:pic>
+      <p:pic>
+        <p:nvPicPr>
+          <p:cNvPr id="21" name="Picture 20" descr="Chart, scatter chart&#10;&#10;Description automatically generated">
+            <a:extLst>
+              <a:ext uri="{FF2B5EF4-FFF2-40B4-BE49-F238E27FC236}">
+                <a16:creationId xmlns:a16="http://schemas.microsoft.com/office/drawing/2014/main" id="{46D75AD2-A664-4EBF-A3E0-DBC5BE7EF0E8}"/>
+              </a:ext>
+            </a:extLst>
+          </p:cNvPr>
+          <p:cNvPicPr>
+            <a:picLocks noChangeAspect="1"/>
+          </p:cNvPicPr>
+          <p:nvPr/>
+        </p:nvPicPr>
+        <p:blipFill>
+          <a:blip r:embed="rId3">
+            <a:extLst>
+              <a:ext uri="{28A0092B-C50C-407E-A947-70E740481C1C}">
+                <a14:useLocalDpi xmlns:a14="http://schemas.microsoft.com/office/drawing/2010/main" val="0"/>
+              </a:ext>
+            </a:extLst>
+          </a:blip>
+          <a:stretch>
+            <a:fillRect/>
+          </a:stretch>
+        </p:blipFill>
+        <p:spPr>
+          <a:xfrm>
+            <a:off x="6340583" y="0"/>
+            <a:ext cx="5851418" cy="4572007"/>
+          </a:xfrm>
+          <a:prstGeom prst="rect">
+            <a:avLst/>
+          </a:prstGeom>
+        </p:spPr>
+      </p:pic>
     </p:spTree>
     <p:extLst>
       <p:ext uri="{BB962C8B-B14F-4D97-AF65-F5344CB8AC3E}">
-        <p14:creationId xmlns:p14="http://schemas.microsoft.com/office/powerpoint/2010/main" val="4250396493"/>
+        <p14:creationId xmlns:p14="http://schemas.microsoft.com/office/powerpoint/2010/main" val="191714609"/>
       </p:ext>
     </p:extLst>
   </p:cSld>
@@ -5665,10 +5601,10 @@
       </p:grpSpPr>
       <p:sp>
         <p:nvSpPr>
-          <p:cNvPr id="2" name="Title 1">
-            <a:extLst>
-              <a:ext uri="{FF2B5EF4-FFF2-40B4-BE49-F238E27FC236}">
-                <a16:creationId xmlns:a16="http://schemas.microsoft.com/office/drawing/2014/main" id="{63F5AFAC-26EE-4574-9931-000F2E53C0DE}"/>
+          <p:cNvPr id="11" name="Title 1">
+            <a:extLst>
+              <a:ext uri="{FF2B5EF4-FFF2-40B4-BE49-F238E27FC236}">
+                <a16:creationId xmlns:a16="http://schemas.microsoft.com/office/drawing/2014/main" id="{173E846F-8FF6-463A-AE12-FAF8E173FB5B}"/>
               </a:ext>
             </a:extLst>
           </p:cNvPr>
@@ -5681,34 +5617,29 @@
         </p:nvSpPr>
         <p:spPr>
           <a:xfrm>
-            <a:off x="643466" y="246743"/>
-            <a:ext cx="3517567" cy="2633616"/>
+            <a:off x="1097280" y="286603"/>
+            <a:ext cx="10058400" cy="1105779"/>
           </a:xfrm>
         </p:spPr>
         <p:txBody>
           <a:bodyPr>
-            <a:normAutofit fontScale="90000"/>
+            <a:normAutofit/>
           </a:bodyPr>
           <a:lstStyle/>
           <a:p>
-            <a:pPr algn="ctr"/>
-            <a:r>
-              <a:rPr lang="en-US" dirty="0"/>
-              <a:t>Total Doses Allocated vs Total Confirmed Cases</a:t>
-            </a:r>
-            <a:br>
-              <a:rPr lang="en-US" dirty="0"/>
-            </a:br>
-            <a:endParaRPr lang="en-US" dirty="0"/>
+            <a:r>
+              <a:rPr lang="en-US" sz="4500" dirty="0"/>
+              <a:t>Confirmed Covid-19 per Each State</a:t>
+            </a:r>
           </a:p>
         </p:txBody>
       </p:sp>
       <p:pic>
         <p:nvPicPr>
-          <p:cNvPr id="6" name="Content Placeholder 5" descr="Chart, scatter chart&#10;&#10;Description automatically generated">
-            <a:extLst>
-              <a:ext uri="{FF2B5EF4-FFF2-40B4-BE49-F238E27FC236}">
-                <a16:creationId xmlns:a16="http://schemas.microsoft.com/office/drawing/2014/main" id="{628B7E66-3BA9-4E1C-89B2-E32FC9E22ADB}"/>
+          <p:cNvPr id="17" name="Content Placeholder 16" descr="Chart, histogram&#10;&#10;Description automatically generated">
+            <a:extLst>
+              <a:ext uri="{FF2B5EF4-FFF2-40B4-BE49-F238E27FC236}">
+                <a16:creationId xmlns:a16="http://schemas.microsoft.com/office/drawing/2014/main" id="{F77C78F0-DA82-4F4B-AE35-6AD9161B7332}"/>
               </a:ext>
             </a:extLst>
           </p:cNvPr>
@@ -5733,40 +5664,15 @@
         </p:blipFill>
         <p:spPr>
           <a:xfrm>
-            <a:off x="5659195" y="812800"/>
-            <a:ext cx="5528161" cy="5294313"/>
+            <a:off x="34636" y="1911927"/>
+            <a:ext cx="12122728" cy="3699164"/>
           </a:xfrm>
         </p:spPr>
       </p:pic>
-      <p:sp>
-        <p:nvSpPr>
-          <p:cNvPr id="4" name="Text Placeholder 3">
-            <a:extLst>
-              <a:ext uri="{FF2B5EF4-FFF2-40B4-BE49-F238E27FC236}">
-                <a16:creationId xmlns:a16="http://schemas.microsoft.com/office/drawing/2014/main" id="{DB927B04-C631-4782-AF73-7EABA57260CF}"/>
-              </a:ext>
-            </a:extLst>
-          </p:cNvPr>
-          <p:cNvSpPr>
-            <a:spLocks noGrp="1"/>
-          </p:cNvSpPr>
-          <p:nvPr>
-            <p:ph type="body" sz="half" idx="2"/>
-          </p:nvPr>
-        </p:nvSpPr>
-        <p:spPr/>
-        <p:txBody>
-          <a:bodyPr/>
-          <a:lstStyle/>
-          <a:p>
-            <a:endParaRPr lang="en-US" dirty="0"/>
-          </a:p>
-        </p:txBody>
-      </p:sp>
     </p:spTree>
     <p:extLst>
       <p:ext uri="{BB962C8B-B14F-4D97-AF65-F5344CB8AC3E}">
-        <p14:creationId xmlns:p14="http://schemas.microsoft.com/office/powerpoint/2010/main" val="3030692814"/>
+        <p14:creationId xmlns:p14="http://schemas.microsoft.com/office/powerpoint/2010/main" val="955394889"/>
       </p:ext>
     </p:extLst>
   </p:cSld>
@@ -5798,7 +5704,7 @@
           <p:cNvPr id="2" name="TextBox 1">
             <a:extLst>
               <a:ext uri="{FF2B5EF4-FFF2-40B4-BE49-F238E27FC236}">
-                <a16:creationId xmlns:a16="http://schemas.microsoft.com/office/drawing/2014/main" id="{2CC9E4B7-7EB4-4F91-8413-F32166B2A232}"/>
+                <a16:creationId xmlns:a16="http://schemas.microsoft.com/office/drawing/2014/main" id="{CA9ED966-B576-4601-ACC9-F4B3E09B4B6E}"/>
               </a:ext>
             </a:extLst>
           </p:cNvPr>
@@ -5807,8 +5713,8 @@
         </p:nvSpPr>
         <p:spPr>
           <a:xfrm>
-            <a:off x="638628" y="624113"/>
-            <a:ext cx="10914743" cy="3416320"/>
+            <a:off x="477982" y="706582"/>
+            <a:ext cx="11284527" cy="4955203"/>
           </a:xfrm>
           <a:prstGeom prst="rect">
             <a:avLst/>
@@ -5825,46 +5731,154 @@
           </a:p>
           <a:p>
             <a:r>
-              <a:rPr lang="en-US" sz="3600" dirty="0"/>
-              <a:t>Conclusion of the outcome:</a:t>
-            </a:r>
-          </a:p>
-          <a:p>
-            <a:endParaRPr lang="en-US" dirty="0"/>
-          </a:p>
-          <a:p>
-            <a:endParaRPr lang="en-US" dirty="0"/>
-          </a:p>
-          <a:p>
-            <a:endParaRPr lang="en-US" dirty="0"/>
-          </a:p>
-          <a:p>
-            <a:endParaRPr lang="en-US" dirty="0"/>
-          </a:p>
-          <a:p>
-            <a:endParaRPr lang="en-US" dirty="0"/>
-          </a:p>
-          <a:p>
-            <a:endParaRPr lang="en-US" dirty="0"/>
-          </a:p>
-          <a:p>
-            <a:endParaRPr lang="en-US" dirty="0"/>
-          </a:p>
-          <a:p>
-            <a:endParaRPr lang="en-US" dirty="0"/>
-          </a:p>
-          <a:p>
-            <a:r>
-              <a:rPr lang="en-US" dirty="0"/>
+              <a:rPr lang="en-US" sz="4000" b="0" i="0" u="none" strike="noStrike" dirty="0">
+                <a:solidFill>
+                  <a:srgbClr val="000000"/>
+                </a:solidFill>
+                <a:effectLst/>
+                <a:latin typeface="Calibri" panose="020F0502020204030204" pitchFamily="34" charset="0"/>
+              </a:rPr>
+              <a:t>High Confirmed </a:t>
+            </a:r>
+            <a:r>
+              <a:rPr lang="en-US" sz="4000" dirty="0">
+                <a:solidFill>
+                  <a:srgbClr val="000000"/>
+                </a:solidFill>
+                <a:latin typeface="Calibri" panose="020F0502020204030204" pitchFamily="34" charset="0"/>
+              </a:rPr>
+              <a:t>Covid-19 Cases were in </a:t>
+            </a:r>
+            <a:r>
+              <a:rPr lang="en-US" sz="4000" b="0" i="0" u="none" strike="noStrike" dirty="0">
+                <a:solidFill>
+                  <a:srgbClr val="000000"/>
+                </a:solidFill>
+                <a:effectLst/>
+                <a:latin typeface="Calibri" panose="020F0502020204030204" pitchFamily="34" charset="0"/>
+              </a:rPr>
+              <a:t>California with</a:t>
+            </a:r>
+            <a:r>
+              <a:rPr lang="en-US" sz="4000" dirty="0"/>
               <a:t> </a:t>
             </a:r>
+            <a:r>
+              <a:rPr lang="en-US" sz="4000" b="0" i="0" u="none" strike="noStrike" dirty="0">
+                <a:solidFill>
+                  <a:srgbClr val="000000"/>
+                </a:solidFill>
+                <a:effectLst/>
+                <a:latin typeface="Calibri" panose="020F0502020204030204" pitchFamily="34" charset="0"/>
+              </a:rPr>
+              <a:t>3,169,935</a:t>
+            </a:r>
+            <a:r>
+              <a:rPr lang="en-US" sz="4000" dirty="0"/>
+              <a:t> cases. It is higher than the runner up by </a:t>
+            </a:r>
+            <a:r>
+              <a:rPr lang="en-US" sz="4000" b="0" i="0" u="none" strike="noStrike" dirty="0">
+                <a:solidFill>
+                  <a:srgbClr val="000000"/>
+                </a:solidFill>
+                <a:effectLst/>
+                <a:latin typeface="Calibri" panose="020F0502020204030204" pitchFamily="34" charset="0"/>
+              </a:rPr>
+              <a:t>875,862</a:t>
+            </a:r>
+            <a:r>
+              <a:rPr lang="en-US" sz="4000" dirty="0"/>
+              <a:t> cases which is Texas</a:t>
+            </a:r>
+          </a:p>
+          <a:p>
+            <a:endParaRPr lang="en-US" sz="4000" dirty="0"/>
+          </a:p>
+          <a:p>
+            <a:r>
+              <a:rPr lang="en-US" sz="4000" dirty="0">
+                <a:solidFill>
+                  <a:srgbClr val="000000"/>
+                </a:solidFill>
+                <a:latin typeface="Calibri" panose="020F0502020204030204" pitchFamily="34" charset="0"/>
+              </a:rPr>
+              <a:t>Lowest</a:t>
+            </a:r>
+            <a:r>
+              <a:rPr lang="en-US" sz="4000" b="0" i="0" u="none" strike="noStrike" dirty="0">
+                <a:solidFill>
+                  <a:srgbClr val="000000"/>
+                </a:solidFill>
+                <a:effectLst/>
+                <a:latin typeface="Calibri" panose="020F0502020204030204" pitchFamily="34" charset="0"/>
+              </a:rPr>
+              <a:t> Confirmed </a:t>
+            </a:r>
+            <a:r>
+              <a:rPr lang="en-US" sz="4000" dirty="0">
+                <a:solidFill>
+                  <a:srgbClr val="000000"/>
+                </a:solidFill>
+                <a:latin typeface="Calibri" panose="020F0502020204030204" pitchFamily="34" charset="0"/>
+              </a:rPr>
+              <a:t>Covid-19 Cases were in Vermont</a:t>
+            </a:r>
+            <a:r>
+              <a:rPr lang="en-US" sz="4000" dirty="0"/>
+              <a:t> </a:t>
+            </a:r>
+            <a:r>
+              <a:rPr lang="en-US" sz="4000" b="0" i="0" u="none" strike="noStrike" dirty="0">
+                <a:solidFill>
+                  <a:srgbClr val="000000"/>
+                </a:solidFill>
+                <a:effectLst/>
+                <a:latin typeface="Calibri" panose="020F0502020204030204" pitchFamily="34" charset="0"/>
+              </a:rPr>
+              <a:t>with</a:t>
+            </a:r>
+            <a:r>
+              <a:rPr lang="en-US" sz="4000" dirty="0"/>
+              <a:t> </a:t>
+            </a:r>
+            <a:r>
+              <a:rPr lang="en-US" sz="4000" dirty="0">
+                <a:solidFill>
+                  <a:srgbClr val="000000"/>
+                </a:solidFill>
+                <a:latin typeface="Calibri" panose="020F0502020204030204" pitchFamily="34" charset="0"/>
+              </a:rPr>
+              <a:t>11,379</a:t>
+            </a:r>
+            <a:r>
+              <a:rPr lang="en-US" sz="4000" dirty="0"/>
+              <a:t> cases. It is lower than the runner up by </a:t>
+            </a:r>
+            <a:r>
+              <a:rPr lang="en-US" sz="4000" b="0" i="0" u="none" strike="noStrike" dirty="0">
+                <a:solidFill>
+                  <a:srgbClr val="000000"/>
+                </a:solidFill>
+                <a:effectLst/>
+                <a:latin typeface="Calibri" panose="020F0502020204030204" pitchFamily="34" charset="0"/>
+              </a:rPr>
+              <a:t>14,063</a:t>
+            </a:r>
+            <a:r>
+              <a:rPr lang="en-US" sz="4000" dirty="0"/>
+              <a:t>  cases which is Hawaii</a:t>
+            </a:r>
+          </a:p>
+          <a:p>
+            <a:endParaRPr lang="en-US" dirty="0"/>
           </a:p>
         </p:txBody>
       </p:sp>
     </p:spTree>
     <p:extLst>
       <p:ext uri="{BB962C8B-B14F-4D97-AF65-F5344CB8AC3E}">
-        <p14:creationId xmlns:p14="http://schemas.microsoft.com/office/powerpoint/2010/main" val="3600275873"/>
+        <p14:creationId xmlns:p14="http://schemas.microsoft.com/office/powerpoint/2010/main" val="3889133762"/>
       </p:ext>
     </p:extLst>
   </p:cSld>
@@ -5893,10 +5907,10 @@
       </p:grpSpPr>
       <p:sp>
         <p:nvSpPr>
-          <p:cNvPr id="11" name="Title 1">
-            <a:extLst>
-              <a:ext uri="{FF2B5EF4-FFF2-40B4-BE49-F238E27FC236}">
-                <a16:creationId xmlns:a16="http://schemas.microsoft.com/office/drawing/2014/main" id="{173E846F-8FF6-463A-AE12-FAF8E173FB5B}"/>
+          <p:cNvPr id="2" name="Title 1">
+            <a:extLst>
+              <a:ext uri="{FF2B5EF4-FFF2-40B4-BE49-F238E27FC236}">
+                <a16:creationId xmlns:a16="http://schemas.microsoft.com/office/drawing/2014/main" id="{B657C83F-0237-451C-81AC-0D9D227F1FE0}"/>
               </a:ext>
             </a:extLst>
           </p:cNvPr>
@@ -5907,31 +5921,27 @@
             <p:ph type="title"/>
           </p:nvPr>
         </p:nvSpPr>
-        <p:spPr>
-          <a:xfrm>
-            <a:off x="1097280" y="286603"/>
-            <a:ext cx="10058400" cy="1105779"/>
-          </a:xfrm>
-        </p:spPr>
+        <p:spPr/>
         <p:txBody>
           <a:bodyPr>
             <a:normAutofit/>
           </a:bodyPr>
           <a:lstStyle/>
           <a:p>
-            <a:r>
-              <a:rPr lang="en-US" sz="4500" dirty="0"/>
-              <a:t>Confirmed Covid-19 per Each State</a:t>
+            <a:pPr algn="ctr"/>
+            <a:r>
+              <a:rPr lang="en-US" sz="3200" dirty="0"/>
+              <a:t>Number of People Unemployed in Each State</a:t>
             </a:r>
           </a:p>
         </p:txBody>
       </p:sp>
       <p:pic>
         <p:nvPicPr>
-          <p:cNvPr id="17" name="Content Placeholder 16" descr="Chart, histogram&#10;&#10;Description automatically generated">
-            <a:extLst>
-              <a:ext uri="{FF2B5EF4-FFF2-40B4-BE49-F238E27FC236}">
-                <a16:creationId xmlns:a16="http://schemas.microsoft.com/office/drawing/2014/main" id="{F77C78F0-DA82-4F4B-AE35-6AD9161B7332}"/>
+          <p:cNvPr id="6" name="Content Placeholder 5" descr="Chart&#10;&#10;Description automatically generated">
+            <a:extLst>
+              <a:ext uri="{FF2B5EF4-FFF2-40B4-BE49-F238E27FC236}">
+                <a16:creationId xmlns:a16="http://schemas.microsoft.com/office/drawing/2014/main" id="{49E220C1-24C9-4BB9-951A-C55B5571B627}"/>
               </a:ext>
             </a:extLst>
           </p:cNvPr>
@@ -5956,15 +5966,40 @@
         </p:blipFill>
         <p:spPr>
           <a:xfrm>
-            <a:off x="34636" y="1911927"/>
-            <a:ext cx="12122728" cy="3699164"/>
+            <a:off x="4867998" y="1080655"/>
+            <a:ext cx="7080149" cy="4738254"/>
           </a:xfrm>
         </p:spPr>
       </p:pic>
+      <p:sp>
+        <p:nvSpPr>
+          <p:cNvPr id="4" name="Text Placeholder 3">
+            <a:extLst>
+              <a:ext uri="{FF2B5EF4-FFF2-40B4-BE49-F238E27FC236}">
+                <a16:creationId xmlns:a16="http://schemas.microsoft.com/office/drawing/2014/main" id="{678EDC37-A17D-4E66-9DCE-20F923685DB3}"/>
+              </a:ext>
+            </a:extLst>
+          </p:cNvPr>
+          <p:cNvSpPr>
+            <a:spLocks noGrp="1"/>
+          </p:cNvSpPr>
+          <p:nvPr>
+            <p:ph type="body" sz="half" idx="2"/>
+          </p:nvPr>
+        </p:nvSpPr>
+        <p:spPr/>
+        <p:txBody>
+          <a:bodyPr/>
+          <a:lstStyle/>
+          <a:p>
+            <a:endParaRPr lang="en-US" dirty="0"/>
+          </a:p>
+        </p:txBody>
+      </p:sp>
     </p:spTree>
     <p:extLst>
       <p:ext uri="{BB962C8B-B14F-4D97-AF65-F5344CB8AC3E}">
-        <p14:creationId xmlns:p14="http://schemas.microsoft.com/office/powerpoint/2010/main" val="955394889"/>
+        <p14:creationId xmlns:p14="http://schemas.microsoft.com/office/powerpoint/2010/main" val="3951575055"/>
       </p:ext>
     </p:extLst>
   </p:cSld>
@@ -5996,7 +6031,7 @@
           <p:cNvPr id="2" name="TextBox 1">
             <a:extLst>
               <a:ext uri="{FF2B5EF4-FFF2-40B4-BE49-F238E27FC236}">
-                <a16:creationId xmlns:a16="http://schemas.microsoft.com/office/drawing/2014/main" id="{CA9ED966-B576-4601-ACC9-F4B3E09B4B6E}"/>
+                <a16:creationId xmlns:a16="http://schemas.microsoft.com/office/drawing/2014/main" id="{8A5403A5-137B-4489-8AB5-4826F824AC28}"/>
               </a:ext>
             </a:extLst>
           </p:cNvPr>
@@ -6005,8 +6040,8 @@
         </p:nvSpPr>
         <p:spPr>
           <a:xfrm>
-            <a:off x="477982" y="706582"/>
-            <a:ext cx="11284527" cy="4955203"/>
+            <a:off x="415636" y="602673"/>
+            <a:ext cx="11346873" cy="3416320"/>
           </a:xfrm>
           <a:prstGeom prst="rect">
             <a:avLst/>
@@ -6019,148 +6054,40 @@
           </a:bodyPr>
           <a:lstStyle/>
           <a:p>
-            <a:endParaRPr lang="en-US" dirty="0"/>
-          </a:p>
-          <a:p>
-            <a:r>
-              <a:rPr lang="en-US" sz="4000" b="0" i="0" u="none" strike="noStrike" dirty="0">
-                <a:solidFill>
-                  <a:srgbClr val="000000"/>
-                </a:solidFill>
-                <a:effectLst/>
-                <a:latin typeface="Calibri" panose="020F0502020204030204" pitchFamily="34" charset="0"/>
-              </a:rPr>
-              <a:t>High Confirmed </a:t>
-            </a:r>
-            <a:r>
-              <a:rPr lang="en-US" sz="4000" dirty="0">
-                <a:solidFill>
-                  <a:srgbClr val="000000"/>
-                </a:solidFill>
-                <a:latin typeface="Calibri" panose="020F0502020204030204" pitchFamily="34" charset="0"/>
-              </a:rPr>
-              <a:t>Covid-19 Cases were in </a:t>
-            </a:r>
-            <a:r>
-              <a:rPr lang="en-US" sz="4000" b="0" i="0" u="none" strike="noStrike" dirty="0">
-                <a:solidFill>
-                  <a:srgbClr val="000000"/>
-                </a:solidFill>
-                <a:effectLst/>
-                <a:latin typeface="Calibri" panose="020F0502020204030204" pitchFamily="34" charset="0"/>
-              </a:rPr>
-              <a:t>California with</a:t>
-            </a:r>
-            <a:r>
-              <a:rPr lang="en-US" sz="4000" dirty="0"/>
-              <a:t> </a:t>
-            </a:r>
-            <a:r>
-              <a:rPr lang="en-US" sz="4000" b="0" i="0" u="none" strike="noStrike" dirty="0">
-                <a:solidFill>
-                  <a:srgbClr val="000000"/>
-                </a:solidFill>
-                <a:effectLst/>
-                <a:latin typeface="Calibri" panose="020F0502020204030204" pitchFamily="34" charset="0"/>
-              </a:rPr>
-              <a:t>3,169,935</a:t>
-            </a:r>
-            <a:r>
-              <a:rPr lang="en-US" sz="4000" dirty="0"/>
-              <a:t> cases. It is higher than the runner up by </a:t>
-            </a:r>
-            <a:r>
-              <a:rPr lang="en-US" sz="4000" b="0" i="0" u="none" strike="noStrike" dirty="0">
-                <a:solidFill>
-                  <a:srgbClr val="000000"/>
-                </a:solidFill>
-                <a:effectLst/>
-                <a:latin typeface="Calibri" panose="020F0502020204030204" pitchFamily="34" charset="0"/>
-              </a:rPr>
-              <a:t>875,862</a:t>
-            </a:r>
-            <a:r>
-              <a:rPr lang="en-US" sz="4000" dirty="0"/>
-              <a:t> cases which is Texas</a:t>
-            </a:r>
-          </a:p>
-          <a:p>
-            <a:endParaRPr lang="en-US" sz="4000" dirty="0"/>
-          </a:p>
-          <a:p>
-            <a:r>
-              <a:rPr lang="en-US" sz="4000" dirty="0">
-                <a:solidFill>
-                  <a:srgbClr val="000000"/>
-                </a:solidFill>
-                <a:latin typeface="Calibri" panose="020F0502020204030204" pitchFamily="34" charset="0"/>
-              </a:rPr>
-              <a:t>Lowest</a:t>
-            </a:r>
-            <a:r>
-              <a:rPr lang="en-US" sz="4000" b="0" i="0" u="none" strike="noStrike" dirty="0">
-                <a:solidFill>
-                  <a:srgbClr val="000000"/>
-                </a:solidFill>
-                <a:effectLst/>
-                <a:latin typeface="Calibri" panose="020F0502020204030204" pitchFamily="34" charset="0"/>
-              </a:rPr>
-              <a:t> Confirmed </a:t>
-            </a:r>
-            <a:r>
-              <a:rPr lang="en-US" sz="4000" dirty="0">
-                <a:solidFill>
-                  <a:srgbClr val="000000"/>
-                </a:solidFill>
-                <a:latin typeface="Calibri" panose="020F0502020204030204" pitchFamily="34" charset="0"/>
-              </a:rPr>
-              <a:t>Covid-19 Cases were in Vermont</a:t>
-            </a:r>
-            <a:r>
-              <a:rPr lang="en-US" sz="4000" dirty="0"/>
-              <a:t> </a:t>
-            </a:r>
-            <a:r>
-              <a:rPr lang="en-US" sz="4000" b="0" i="0" u="none" strike="noStrike" dirty="0">
-                <a:solidFill>
-                  <a:srgbClr val="000000"/>
-                </a:solidFill>
-                <a:effectLst/>
-                <a:latin typeface="Calibri" panose="020F0502020204030204" pitchFamily="34" charset="0"/>
-              </a:rPr>
-              <a:t>with</a:t>
-            </a:r>
-            <a:r>
-              <a:rPr lang="en-US" sz="4000" dirty="0"/>
-              <a:t> </a:t>
-            </a:r>
-            <a:r>
-              <a:rPr lang="en-US" sz="4000" dirty="0">
-                <a:solidFill>
-                  <a:srgbClr val="000000"/>
-                </a:solidFill>
-                <a:latin typeface="Calibri" panose="020F0502020204030204" pitchFamily="34" charset="0"/>
-              </a:rPr>
-              <a:t>11,379</a:t>
-            </a:r>
-            <a:r>
-              <a:rPr lang="en-US" sz="4000" dirty="0"/>
-              <a:t> cases. It is lower than the runner up by </a:t>
-            </a:r>
-            <a:r>
-              <a:rPr lang="en-US" sz="4000" b="0" i="0" u="none" strike="noStrike" dirty="0">
-                <a:solidFill>
-                  <a:srgbClr val="000000"/>
-                </a:solidFill>
-                <a:effectLst/>
-                <a:latin typeface="Calibri" panose="020F0502020204030204" pitchFamily="34" charset="0"/>
-              </a:rPr>
-              <a:t>14,063</a:t>
-            </a:r>
-            <a:r>
-              <a:rPr lang="en-US" sz="4000" dirty="0"/>
-              <a:t>  cases which is Hawaii</a:t>
-            </a:r>
+            <a:r>
+              <a:rPr lang="en-US" dirty="0"/>
+              <a:t>Add outcome info here</a:t>
+            </a:r>
+          </a:p>
+          <a:p>
+            <a:endParaRPr lang="en-US" dirty="0"/>
+          </a:p>
+          <a:p>
+            <a:endParaRPr lang="en-US" dirty="0"/>
+          </a:p>
+          <a:p>
+            <a:endParaRPr lang="en-US" dirty="0"/>
+          </a:p>
+          <a:p>
+            <a:endParaRPr lang="en-US" dirty="0"/>
+          </a:p>
+          <a:p>
+            <a:endParaRPr lang="en-US" dirty="0"/>
+          </a:p>
+          <a:p>
+            <a:endParaRPr lang="en-US" dirty="0"/>
+          </a:p>
+          <a:p>
+            <a:endParaRPr lang="en-US" dirty="0"/>
+          </a:p>
+          <a:p>
+            <a:endParaRPr lang="en-US" dirty="0"/>
+          </a:p>
+          <a:p>
+            <a:endParaRPr lang="en-US" dirty="0"/>
+          </a:p>
+          <a:p>
+            <a:endParaRPr lang="en-US" dirty="0"/>
           </a:p>
           <a:p>
             <a:endParaRPr lang="en-US" dirty="0"/>
@@ -6170,7 +6097,7 @@
     </p:spTree>
     <p:extLst>
       <p:ext uri="{BB962C8B-B14F-4D97-AF65-F5344CB8AC3E}">
-        <p14:creationId xmlns:p14="http://schemas.microsoft.com/office/powerpoint/2010/main" val="3889133762"/>
+        <p14:creationId xmlns:p14="http://schemas.microsoft.com/office/powerpoint/2010/main" val="742625742"/>
       </p:ext>
     </p:extLst>
   </p:cSld>
@@ -6202,7 +6129,7 @@
           <p:cNvPr id="2" name="Title 1">
             <a:extLst>
               <a:ext uri="{FF2B5EF4-FFF2-40B4-BE49-F238E27FC236}">
-                <a16:creationId xmlns:a16="http://schemas.microsoft.com/office/drawing/2014/main" id="{B657C83F-0237-451C-81AC-0D9D227F1FE0}"/>
+                <a16:creationId xmlns:a16="http://schemas.microsoft.com/office/drawing/2014/main" id="{C32F3F7C-E55D-4163-AAC0-ADD308821544}"/>
               </a:ext>
             </a:extLst>
           </p:cNvPr>
@@ -6213,62 +6140,59 @@
             <p:ph type="title"/>
           </p:nvPr>
         </p:nvSpPr>
+        <p:spPr>
+          <a:xfrm>
+            <a:off x="643466" y="270165"/>
+            <a:ext cx="3517567" cy="2610194"/>
+          </a:xfrm>
+        </p:spPr>
+        <p:txBody>
+          <a:bodyPr/>
+          <a:lstStyle/>
+          <a:p>
+            <a:pPr algn="ctr"/>
+            <a:r>
+              <a:rPr lang="en-US" dirty="0"/>
+              <a:t>Airport Passenger vs Population </a:t>
+            </a:r>
+            <a:br>
+              <a:rPr lang="en-US" dirty="0"/>
+            </a:br>
+            <a:endParaRPr lang="en-US" dirty="0"/>
+          </a:p>
+        </p:txBody>
+      </p:sp>
+      <p:sp>
+        <p:nvSpPr>
+          <p:cNvPr id="3" name="Content Placeholder 2">
+            <a:extLst>
+              <a:ext uri="{FF2B5EF4-FFF2-40B4-BE49-F238E27FC236}">
+                <a16:creationId xmlns:a16="http://schemas.microsoft.com/office/drawing/2014/main" id="{3BF06CA1-81BA-47C0-9E88-991BFB0A178B}"/>
+              </a:ext>
+            </a:extLst>
+          </p:cNvPr>
+          <p:cNvSpPr>
+            <a:spLocks noGrp="1"/>
+          </p:cNvSpPr>
+          <p:nvPr>
+            <p:ph idx="1"/>
+          </p:nvPr>
+        </p:nvSpPr>
         <p:spPr/>
         <p:txBody>
-          <a:bodyPr>
-            <a:normAutofit/>
-          </a:bodyPr>
-          <a:lstStyle/>
-          <a:p>
-            <a:pPr algn="ctr"/>
-            <a:r>
-              <a:rPr lang="en-US" sz="3200" dirty="0"/>
-              <a:t>Number of People Unemployed in Each State</a:t>
-            </a:r>
-          </a:p>
-        </p:txBody>
-      </p:sp>
-      <p:pic>
-        <p:nvPicPr>
-          <p:cNvPr id="6" name="Content Placeholder 5" descr="Chart&#10;&#10;Description automatically generated">
-            <a:extLst>
-              <a:ext uri="{FF2B5EF4-FFF2-40B4-BE49-F238E27FC236}">
-                <a16:creationId xmlns:a16="http://schemas.microsoft.com/office/drawing/2014/main" id="{49E220C1-24C9-4BB9-951A-C55B5571B627}"/>
-              </a:ext>
-            </a:extLst>
-          </p:cNvPr>
-          <p:cNvPicPr>
-            <a:picLocks noGrp="1" noChangeAspect="1"/>
-          </p:cNvPicPr>
-          <p:nvPr>
-            <p:ph idx="1"/>
-          </p:nvPr>
-        </p:nvPicPr>
-        <p:blipFill>
-          <a:blip r:embed="rId2">
-            <a:extLst>
-              <a:ext uri="{28A0092B-C50C-407E-A947-70E740481C1C}">
-                <a14:useLocalDpi xmlns:a14="http://schemas.microsoft.com/office/drawing/2010/main" val="0"/>
-              </a:ext>
-            </a:extLst>
-          </a:blip>
-          <a:stretch>
-            <a:fillRect/>
-          </a:stretch>
-        </p:blipFill>
-        <p:spPr>
-          <a:xfrm>
-            <a:off x="4867998" y="1080655"/>
-            <a:ext cx="7080149" cy="4738254"/>
-          </a:xfrm>
-        </p:spPr>
-      </p:pic>
+          <a:bodyPr/>
+          <a:lstStyle/>
+          <a:p>
+            <a:endParaRPr lang="en-US" dirty="0"/>
+          </a:p>
+        </p:txBody>
+      </p:sp>
       <p:sp>
         <p:nvSpPr>
           <p:cNvPr id="4" name="Text Placeholder 3">
             <a:extLst>
               <a:ext uri="{FF2B5EF4-FFF2-40B4-BE49-F238E27FC236}">
-                <a16:creationId xmlns:a16="http://schemas.microsoft.com/office/drawing/2014/main" id="{678EDC37-A17D-4E66-9DCE-20F923685DB3}"/>
+                <a16:creationId xmlns:a16="http://schemas.microsoft.com/office/drawing/2014/main" id="{56A3442B-C838-4930-AD98-CA9CDF6ECC4A}"/>
               </a:ext>
             </a:extLst>
           </p:cNvPr>
@@ -6291,7 +6215,7 @@
     </p:spTree>
     <p:extLst>
       <p:ext uri="{BB962C8B-B14F-4D97-AF65-F5344CB8AC3E}">
-        <p14:creationId xmlns:p14="http://schemas.microsoft.com/office/powerpoint/2010/main" val="3951575055"/>
+        <p14:creationId xmlns:p14="http://schemas.microsoft.com/office/powerpoint/2010/main" val="665116270"/>
       </p:ext>
     </p:extLst>
   </p:cSld>
@@ -6389,7 +6313,7 @@
     </p:spTree>
     <p:extLst>
       <p:ext uri="{BB962C8B-B14F-4D97-AF65-F5344CB8AC3E}">
-        <p14:creationId xmlns:p14="http://schemas.microsoft.com/office/powerpoint/2010/main" val="742625742"/>
+        <p14:creationId xmlns:p14="http://schemas.microsoft.com/office/powerpoint/2010/main" val="3512801201"/>
       </p:ext>
     </p:extLst>
   </p:cSld>
